--- a/doc/poster/Trustworthy-Remote-Signing_GaborTanz&PatrickHirt.pptx
+++ b/doc/poster/Trustworthy-Remote-Signing_GaborTanz&PatrickHirt.pptx
@@ -1375,13 +1375,13 @@
           <p:nvPr>
             <p:extLst>
               <p:ext uri="{D42A27DB-BD31-4B8C-83A1-F6EECF244321}">
-                <p14:modId xmlns:p14="http://schemas.microsoft.com/office/powerpoint/2010/main" val="733708397"/>
+                <p14:modId xmlns:p14="http://schemas.microsoft.com/office/powerpoint/2010/main" val="295244036"/>
               </p:ext>
             </p:extLst>
           </p:nvPr>
         </p:nvGraphicFramePr>
         <p:xfrm>
-          <a:off x="22453624" y="18414123"/>
+          <a:off x="22453624" y="18185523"/>
           <a:ext cx="7201896" cy="2712720"/>
         </p:xfrm>
         <a:graphic>
@@ -2525,7 +2525,7 @@
               <a:defRPr/>
             </a:pPr>
             <a:r>
-              <a:rPr lang="en-GB" altLang="de-DE" sz="4400" smtClean="0">
+              <a:rPr lang="en-GB" altLang="de-DE" sz="4400" dirty="0" smtClean="0">
                 <a:solidFill>
                   <a:srgbClr val="697D91"/>
                 </a:solidFill>
@@ -2534,7 +2534,7 @@
               <a:t>Platform </a:t>
             </a:r>
             <a:r>
-              <a:rPr lang="en-GB" altLang="de-DE" sz="4400" smtClean="0">
+              <a:rPr lang="en-GB" altLang="de-DE" sz="4400" dirty="0" smtClean="0">
                 <a:solidFill>
                   <a:srgbClr val="697D91"/>
                 </a:solidFill>
@@ -3201,15 +3201,15 @@
 <file path=customXml/itemProps1.xml><?xml version="1.0" encoding="utf-8"?>
 <ds:datastoreItem xmlns:ds="http://schemas.openxmlformats.org/officeDocument/2006/customXml" ds:itemID="{12310AE4-98C2-4A3E-BE75-5A8AB8823A32}">
   <ds:schemaRefs>
-    <ds:schemaRef ds:uri="2551ef7e-3b29-44d1-a8ad-ef34c26bfc60"/>
+    <ds:schemaRef ds:uri="63c724b1-652e-424f-8d99-4ee509067280"/>
+    <ds:schemaRef ds:uri="http://www.w3.org/XML/1998/namespace"/>
     <ds:schemaRef ds:uri="http://purl.org/dc/terms/"/>
     <ds:schemaRef ds:uri="http://schemas.microsoft.com/office/2006/documentManagement/types"/>
-    <ds:schemaRef ds:uri="63c724b1-652e-424f-8d99-4ee509067280"/>
+    <ds:schemaRef ds:uri="http://schemas.microsoft.com/office/2006/metadata/properties"/>
     <ds:schemaRef ds:uri="http://purl.org/dc/elements/1.1/"/>
-    <ds:schemaRef ds:uri="http://www.w3.org/XML/1998/namespace"/>
     <ds:schemaRef ds:uri="http://schemas.microsoft.com/office/infopath/2007/PartnerControls"/>
     <ds:schemaRef ds:uri="http://schemas.openxmlformats.org/package/2006/metadata/core-properties"/>
-    <ds:schemaRef ds:uri="http://schemas.microsoft.com/office/2006/metadata/properties"/>
+    <ds:schemaRef ds:uri="2551ef7e-3b29-44d1-a8ad-ef34c26bfc60"/>
     <ds:schemaRef ds:uri="http://purl.org/dc/dcmitype/"/>
   </ds:schemaRefs>
 </ds:datastoreItem>
